--- a/PhoneAnimation.pptx
+++ b/PhoneAnimation.pptx
@@ -104,6 +104,22 @@
       </a:defRPr>
     </a:lvl9pPr>
   </p:defaultTextStyle>
+  <p:extLst>
+    <p:ext uri="{EFAFB233-063F-42B5-8137-9DF3F51BA10A}">
+      <p15:sldGuideLst xmlns:p15="http://schemas.microsoft.com/office/powerpoint/2012/main">
+        <p15:guide id="1" orient="horz" pos="2160">
+          <p15:clr>
+            <a:srgbClr val="A4A3A4"/>
+          </p15:clr>
+        </p15:guide>
+        <p15:guide id="2" pos="2880">
+          <p15:clr>
+            <a:srgbClr val="A4A3A4"/>
+          </p15:clr>
+        </p15:guide>
+      </p15:sldGuideLst>
+    </p:ext>
+  </p:extLst>
 </p:presentation>
 </file>
 
@@ -145,10 +161,9 @@
           <a:lstStyle/>
           <a:p>
             <a:r>
-              <a:rPr lang="en-US" smtClean="0"/>
+              <a:rPr lang="en-US"/>
               <a:t>Click to edit Master title style</a:t>
             </a:r>
-            <a:endParaRPr lang="en-US"/>
           </a:p>
         </p:txBody>
       </p:sp>
@@ -264,10 +279,9 @@
           </a:lstStyle>
           <a:p>
             <a:r>
-              <a:rPr lang="en-US" smtClean="0"/>
+              <a:rPr lang="en-US"/>
               <a:t>Click to edit Master subtitle style</a:t>
             </a:r>
-            <a:endParaRPr lang="en-US"/>
           </a:p>
         </p:txBody>
       </p:sp>
@@ -288,7 +302,7 @@
           <a:p>
             <a:fld id="{0D03630C-AC3D-41CA-B91C-6CE44C120357}" type="datetimeFigureOut">
               <a:rPr lang="en-US" smtClean="0"/>
-              <a:t>8/4/2020</a:t>
+              <a:t>11-Sep-22</a:t>
             </a:fld>
             <a:endParaRPr lang="en-US"/>
           </a:p>
@@ -382,10 +396,9 @@
           <a:lstStyle/>
           <a:p>
             <a:r>
-              <a:rPr lang="en-US" smtClean="0"/>
+              <a:rPr lang="en-US"/>
               <a:t>Click to edit Master title style</a:t>
             </a:r>
-            <a:endParaRPr lang="en-US"/>
           </a:p>
         </p:txBody>
       </p:sp>
@@ -406,38 +419,37 @@
           <a:p>
             <a:pPr lvl="0"/>
             <a:r>
-              <a:rPr lang="en-US" smtClean="0"/>
+              <a:rPr lang="en-US"/>
               <a:t>Click to edit Master text styles</a:t>
             </a:r>
           </a:p>
           <a:p>
             <a:pPr lvl="1"/>
             <a:r>
-              <a:rPr lang="en-US" smtClean="0"/>
+              <a:rPr lang="en-US"/>
               <a:t>Second level</a:t>
             </a:r>
           </a:p>
           <a:p>
             <a:pPr lvl="2"/>
             <a:r>
-              <a:rPr lang="en-US" smtClean="0"/>
+              <a:rPr lang="en-US"/>
               <a:t>Third level</a:t>
             </a:r>
           </a:p>
           <a:p>
             <a:pPr lvl="3"/>
             <a:r>
-              <a:rPr lang="en-US" smtClean="0"/>
+              <a:rPr lang="en-US"/>
               <a:t>Fourth level</a:t>
             </a:r>
           </a:p>
           <a:p>
             <a:pPr lvl="4"/>
             <a:r>
-              <a:rPr lang="en-US" smtClean="0"/>
+              <a:rPr lang="en-US"/>
               <a:t>Fifth level</a:t>
             </a:r>
-            <a:endParaRPr lang="en-US"/>
           </a:p>
         </p:txBody>
       </p:sp>
@@ -458,7 +470,7 @@
           <a:p>
             <a:fld id="{0D03630C-AC3D-41CA-B91C-6CE44C120357}" type="datetimeFigureOut">
               <a:rPr lang="en-US" smtClean="0"/>
-              <a:t>8/4/2020</a:t>
+              <a:t>11-Sep-22</a:t>
             </a:fld>
             <a:endParaRPr lang="en-US"/>
           </a:p>
@@ -557,10 +569,9 @@
           <a:lstStyle/>
           <a:p>
             <a:r>
-              <a:rPr lang="en-US" smtClean="0"/>
+              <a:rPr lang="en-US"/>
               <a:t>Click to edit Master title style</a:t>
             </a:r>
-            <a:endParaRPr lang="en-US"/>
           </a:p>
         </p:txBody>
       </p:sp>
@@ -586,38 +597,37 @@
           <a:p>
             <a:pPr lvl="0"/>
             <a:r>
-              <a:rPr lang="en-US" smtClean="0"/>
+              <a:rPr lang="en-US"/>
               <a:t>Click to edit Master text styles</a:t>
             </a:r>
           </a:p>
           <a:p>
             <a:pPr lvl="1"/>
             <a:r>
-              <a:rPr lang="en-US" smtClean="0"/>
+              <a:rPr lang="en-US"/>
               <a:t>Second level</a:t>
             </a:r>
           </a:p>
           <a:p>
             <a:pPr lvl="2"/>
             <a:r>
-              <a:rPr lang="en-US" smtClean="0"/>
+              <a:rPr lang="en-US"/>
               <a:t>Third level</a:t>
             </a:r>
           </a:p>
           <a:p>
             <a:pPr lvl="3"/>
             <a:r>
-              <a:rPr lang="en-US" smtClean="0"/>
+              <a:rPr lang="en-US"/>
               <a:t>Fourth level</a:t>
             </a:r>
           </a:p>
           <a:p>
             <a:pPr lvl="4"/>
             <a:r>
-              <a:rPr lang="en-US" smtClean="0"/>
+              <a:rPr lang="en-US"/>
               <a:t>Fifth level</a:t>
             </a:r>
-            <a:endParaRPr lang="en-US"/>
           </a:p>
         </p:txBody>
       </p:sp>
@@ -638,7 +648,7 @@
           <a:p>
             <a:fld id="{0D03630C-AC3D-41CA-B91C-6CE44C120357}" type="datetimeFigureOut">
               <a:rPr lang="en-US" smtClean="0"/>
-              <a:t>8/4/2020</a:t>
+              <a:t>11-Sep-22</a:t>
             </a:fld>
             <a:endParaRPr lang="en-US"/>
           </a:p>
@@ -732,10 +742,9 @@
           <a:lstStyle/>
           <a:p>
             <a:r>
-              <a:rPr lang="en-US" smtClean="0"/>
+              <a:rPr lang="en-US"/>
               <a:t>Click to edit Master title style</a:t>
             </a:r>
-            <a:endParaRPr lang="en-US"/>
           </a:p>
         </p:txBody>
       </p:sp>
@@ -756,38 +765,37 @@
           <a:p>
             <a:pPr lvl="0"/>
             <a:r>
-              <a:rPr lang="en-US" smtClean="0"/>
+              <a:rPr lang="en-US"/>
               <a:t>Click to edit Master text styles</a:t>
             </a:r>
           </a:p>
           <a:p>
             <a:pPr lvl="1"/>
             <a:r>
-              <a:rPr lang="en-US" smtClean="0"/>
+              <a:rPr lang="en-US"/>
               <a:t>Second level</a:t>
             </a:r>
           </a:p>
           <a:p>
             <a:pPr lvl="2"/>
             <a:r>
-              <a:rPr lang="en-US" smtClean="0"/>
+              <a:rPr lang="en-US"/>
               <a:t>Third level</a:t>
             </a:r>
           </a:p>
           <a:p>
             <a:pPr lvl="3"/>
             <a:r>
-              <a:rPr lang="en-US" smtClean="0"/>
+              <a:rPr lang="en-US"/>
               <a:t>Fourth level</a:t>
             </a:r>
           </a:p>
           <a:p>
             <a:pPr lvl="4"/>
             <a:r>
-              <a:rPr lang="en-US" smtClean="0"/>
+              <a:rPr lang="en-US"/>
               <a:t>Fifth level</a:t>
             </a:r>
-            <a:endParaRPr lang="en-US"/>
           </a:p>
         </p:txBody>
       </p:sp>
@@ -808,7 +816,7 @@
           <a:p>
             <a:fld id="{0D03630C-AC3D-41CA-B91C-6CE44C120357}" type="datetimeFigureOut">
               <a:rPr lang="en-US" smtClean="0"/>
-              <a:t>8/4/2020</a:t>
+              <a:t>11-Sep-22</a:t>
             </a:fld>
             <a:endParaRPr lang="en-US"/>
           </a:p>
@@ -911,10 +919,9 @@
           </a:lstStyle>
           <a:p>
             <a:r>
-              <a:rPr lang="en-US" smtClean="0"/>
+              <a:rPr lang="en-US"/>
               <a:t>Click to edit Master title style</a:t>
             </a:r>
-            <a:endParaRPr lang="en-US"/>
           </a:p>
         </p:txBody>
       </p:sp>
@@ -1031,7 +1038,7 @@
           <a:p>
             <a:pPr lvl="0"/>
             <a:r>
-              <a:rPr lang="en-US" smtClean="0"/>
+              <a:rPr lang="en-US"/>
               <a:t>Click to edit Master text styles</a:t>
             </a:r>
           </a:p>
@@ -1054,7 +1061,7 @@
           <a:p>
             <a:fld id="{0D03630C-AC3D-41CA-B91C-6CE44C120357}" type="datetimeFigureOut">
               <a:rPr lang="en-US" smtClean="0"/>
-              <a:t>8/4/2020</a:t>
+              <a:t>11-Sep-22</a:t>
             </a:fld>
             <a:endParaRPr lang="en-US"/>
           </a:p>
@@ -1148,10 +1155,9 @@
           <a:lstStyle/>
           <a:p>
             <a:r>
-              <a:rPr lang="en-US" smtClean="0"/>
+              <a:rPr lang="en-US"/>
               <a:t>Click to edit Master title style</a:t>
             </a:r>
-            <a:endParaRPr lang="en-US"/>
           </a:p>
         </p:txBody>
       </p:sp>
@@ -1205,38 +1211,37 @@
           <a:p>
             <a:pPr lvl="0"/>
             <a:r>
-              <a:rPr lang="en-US" smtClean="0"/>
+              <a:rPr lang="en-US"/>
               <a:t>Click to edit Master text styles</a:t>
             </a:r>
           </a:p>
           <a:p>
             <a:pPr lvl="1"/>
             <a:r>
-              <a:rPr lang="en-US" smtClean="0"/>
+              <a:rPr lang="en-US"/>
               <a:t>Second level</a:t>
             </a:r>
           </a:p>
           <a:p>
             <a:pPr lvl="2"/>
             <a:r>
-              <a:rPr lang="en-US" smtClean="0"/>
+              <a:rPr lang="en-US"/>
               <a:t>Third level</a:t>
             </a:r>
           </a:p>
           <a:p>
             <a:pPr lvl="3"/>
             <a:r>
-              <a:rPr lang="en-US" smtClean="0"/>
+              <a:rPr lang="en-US"/>
               <a:t>Fourth level</a:t>
             </a:r>
           </a:p>
           <a:p>
             <a:pPr lvl="4"/>
             <a:r>
-              <a:rPr lang="en-US" smtClean="0"/>
+              <a:rPr lang="en-US"/>
               <a:t>Fifth level</a:t>
             </a:r>
-            <a:endParaRPr lang="en-US"/>
           </a:p>
         </p:txBody>
       </p:sp>
@@ -1290,38 +1295,37 @@
           <a:p>
             <a:pPr lvl="0"/>
             <a:r>
-              <a:rPr lang="en-US" smtClean="0"/>
+              <a:rPr lang="en-US"/>
               <a:t>Click to edit Master text styles</a:t>
             </a:r>
           </a:p>
           <a:p>
             <a:pPr lvl="1"/>
             <a:r>
-              <a:rPr lang="en-US" smtClean="0"/>
+              <a:rPr lang="en-US"/>
               <a:t>Second level</a:t>
             </a:r>
           </a:p>
           <a:p>
             <a:pPr lvl="2"/>
             <a:r>
-              <a:rPr lang="en-US" smtClean="0"/>
+              <a:rPr lang="en-US"/>
               <a:t>Third level</a:t>
             </a:r>
           </a:p>
           <a:p>
             <a:pPr lvl="3"/>
             <a:r>
-              <a:rPr lang="en-US" smtClean="0"/>
+              <a:rPr lang="en-US"/>
               <a:t>Fourth level</a:t>
             </a:r>
           </a:p>
           <a:p>
             <a:pPr lvl="4"/>
             <a:r>
-              <a:rPr lang="en-US" smtClean="0"/>
+              <a:rPr lang="en-US"/>
               <a:t>Fifth level</a:t>
             </a:r>
-            <a:endParaRPr lang="en-US"/>
           </a:p>
         </p:txBody>
       </p:sp>
@@ -1342,7 +1346,7 @@
           <a:p>
             <a:fld id="{0D03630C-AC3D-41CA-B91C-6CE44C120357}" type="datetimeFigureOut">
               <a:rPr lang="en-US" smtClean="0"/>
-              <a:t>8/4/2020</a:t>
+              <a:t>11-Sep-22</a:t>
             </a:fld>
             <a:endParaRPr lang="en-US"/>
           </a:p>
@@ -1440,10 +1444,9 @@
           </a:lstStyle>
           <a:p>
             <a:r>
-              <a:rPr lang="en-US" smtClean="0"/>
+              <a:rPr lang="en-US"/>
               <a:t>Click to edit Master title style</a:t>
             </a:r>
-            <a:endParaRPr lang="en-US"/>
           </a:p>
         </p:txBody>
       </p:sp>
@@ -1506,7 +1509,7 @@
           <a:p>
             <a:pPr lvl="0"/>
             <a:r>
-              <a:rPr lang="en-US" smtClean="0"/>
+              <a:rPr lang="en-US"/>
               <a:t>Click to edit Master text styles</a:t>
             </a:r>
           </a:p>
@@ -1562,38 +1565,37 @@
           <a:p>
             <a:pPr lvl="0"/>
             <a:r>
-              <a:rPr lang="en-US" smtClean="0"/>
+              <a:rPr lang="en-US"/>
               <a:t>Click to edit Master text styles</a:t>
             </a:r>
           </a:p>
           <a:p>
             <a:pPr lvl="1"/>
             <a:r>
-              <a:rPr lang="en-US" smtClean="0"/>
+              <a:rPr lang="en-US"/>
               <a:t>Second level</a:t>
             </a:r>
           </a:p>
           <a:p>
             <a:pPr lvl="2"/>
             <a:r>
-              <a:rPr lang="en-US" smtClean="0"/>
+              <a:rPr lang="en-US"/>
               <a:t>Third level</a:t>
             </a:r>
           </a:p>
           <a:p>
             <a:pPr lvl="3"/>
             <a:r>
-              <a:rPr lang="en-US" smtClean="0"/>
+              <a:rPr lang="en-US"/>
               <a:t>Fourth level</a:t>
             </a:r>
           </a:p>
           <a:p>
             <a:pPr lvl="4"/>
             <a:r>
-              <a:rPr lang="en-US" smtClean="0"/>
+              <a:rPr lang="en-US"/>
               <a:t>Fifth level</a:t>
             </a:r>
-            <a:endParaRPr lang="en-US"/>
           </a:p>
         </p:txBody>
       </p:sp>
@@ -1656,7 +1658,7 @@
           <a:p>
             <a:pPr lvl="0"/>
             <a:r>
-              <a:rPr lang="en-US" smtClean="0"/>
+              <a:rPr lang="en-US"/>
               <a:t>Click to edit Master text styles</a:t>
             </a:r>
           </a:p>
@@ -1712,38 +1714,37 @@
           <a:p>
             <a:pPr lvl="0"/>
             <a:r>
-              <a:rPr lang="en-US" smtClean="0"/>
+              <a:rPr lang="en-US"/>
               <a:t>Click to edit Master text styles</a:t>
             </a:r>
           </a:p>
           <a:p>
             <a:pPr lvl="1"/>
             <a:r>
-              <a:rPr lang="en-US" smtClean="0"/>
+              <a:rPr lang="en-US"/>
               <a:t>Second level</a:t>
             </a:r>
           </a:p>
           <a:p>
             <a:pPr lvl="2"/>
             <a:r>
-              <a:rPr lang="en-US" smtClean="0"/>
+              <a:rPr lang="en-US"/>
               <a:t>Third level</a:t>
             </a:r>
           </a:p>
           <a:p>
             <a:pPr lvl="3"/>
             <a:r>
-              <a:rPr lang="en-US" smtClean="0"/>
+              <a:rPr lang="en-US"/>
               <a:t>Fourth level</a:t>
             </a:r>
           </a:p>
           <a:p>
             <a:pPr lvl="4"/>
             <a:r>
-              <a:rPr lang="en-US" smtClean="0"/>
+              <a:rPr lang="en-US"/>
               <a:t>Fifth level</a:t>
             </a:r>
-            <a:endParaRPr lang="en-US"/>
           </a:p>
         </p:txBody>
       </p:sp>
@@ -1764,7 +1765,7 @@
           <a:p>
             <a:fld id="{0D03630C-AC3D-41CA-B91C-6CE44C120357}" type="datetimeFigureOut">
               <a:rPr lang="en-US" smtClean="0"/>
-              <a:t>8/4/2020</a:t>
+              <a:t>11-Sep-22</a:t>
             </a:fld>
             <a:endParaRPr lang="en-US"/>
           </a:p>
@@ -1858,10 +1859,9 @@
           <a:lstStyle/>
           <a:p>
             <a:r>
-              <a:rPr lang="en-US" smtClean="0"/>
+              <a:rPr lang="en-US"/>
               <a:t>Click to edit Master title style</a:t>
             </a:r>
-            <a:endParaRPr lang="en-US"/>
           </a:p>
         </p:txBody>
       </p:sp>
@@ -1882,7 +1882,7 @@
           <a:p>
             <a:fld id="{0D03630C-AC3D-41CA-B91C-6CE44C120357}" type="datetimeFigureOut">
               <a:rPr lang="en-US" smtClean="0"/>
-              <a:t>8/4/2020</a:t>
+              <a:t>11-Sep-22</a:t>
             </a:fld>
             <a:endParaRPr lang="en-US"/>
           </a:p>
@@ -1977,7 +1977,7 @@
           <a:p>
             <a:fld id="{0D03630C-AC3D-41CA-B91C-6CE44C120357}" type="datetimeFigureOut">
               <a:rPr lang="en-US" smtClean="0"/>
-              <a:t>8/4/2020</a:t>
+              <a:t>11-Sep-22</a:t>
             </a:fld>
             <a:endParaRPr lang="en-US"/>
           </a:p>
@@ -2080,10 +2080,9 @@
           </a:lstStyle>
           <a:p>
             <a:r>
-              <a:rPr lang="en-US" smtClean="0"/>
+              <a:rPr lang="en-US"/>
               <a:t>Click to edit Master title style</a:t>
             </a:r>
-            <a:endParaRPr lang="en-US"/>
           </a:p>
         </p:txBody>
       </p:sp>
@@ -2137,38 +2136,37 @@
           <a:p>
             <a:pPr lvl="0"/>
             <a:r>
-              <a:rPr lang="en-US" smtClean="0"/>
+              <a:rPr lang="en-US"/>
               <a:t>Click to edit Master text styles</a:t>
             </a:r>
           </a:p>
           <a:p>
             <a:pPr lvl="1"/>
             <a:r>
-              <a:rPr lang="en-US" smtClean="0"/>
+              <a:rPr lang="en-US"/>
               <a:t>Second level</a:t>
             </a:r>
           </a:p>
           <a:p>
             <a:pPr lvl="2"/>
             <a:r>
-              <a:rPr lang="en-US" smtClean="0"/>
+              <a:rPr lang="en-US"/>
               <a:t>Third level</a:t>
             </a:r>
           </a:p>
           <a:p>
             <a:pPr lvl="3"/>
             <a:r>
-              <a:rPr lang="en-US" smtClean="0"/>
+              <a:rPr lang="en-US"/>
               <a:t>Fourth level</a:t>
             </a:r>
           </a:p>
           <a:p>
             <a:pPr lvl="4"/>
             <a:r>
-              <a:rPr lang="en-US" smtClean="0"/>
+              <a:rPr lang="en-US"/>
               <a:t>Fifth level</a:t>
             </a:r>
-            <a:endParaRPr lang="en-US"/>
           </a:p>
         </p:txBody>
       </p:sp>
@@ -2231,7 +2229,7 @@
           <a:p>
             <a:pPr lvl="0"/>
             <a:r>
-              <a:rPr lang="en-US" smtClean="0"/>
+              <a:rPr lang="en-US"/>
               <a:t>Click to edit Master text styles</a:t>
             </a:r>
           </a:p>
@@ -2254,7 +2252,7 @@
           <a:p>
             <a:fld id="{0D03630C-AC3D-41CA-B91C-6CE44C120357}" type="datetimeFigureOut">
               <a:rPr lang="en-US" smtClean="0"/>
-              <a:t>8/4/2020</a:t>
+              <a:t>11-Sep-22</a:t>
             </a:fld>
             <a:endParaRPr lang="en-US"/>
           </a:p>
@@ -2357,10 +2355,9 @@
           </a:lstStyle>
           <a:p>
             <a:r>
-              <a:rPr lang="en-US" smtClean="0"/>
+              <a:rPr lang="en-US"/>
               <a:t>Click to edit Master title style</a:t>
             </a:r>
-            <a:endParaRPr lang="en-US"/>
           </a:p>
         </p:txBody>
       </p:sp>
@@ -2484,7 +2481,7 @@
           <a:p>
             <a:pPr lvl="0"/>
             <a:r>
-              <a:rPr lang="en-US" smtClean="0"/>
+              <a:rPr lang="en-US"/>
               <a:t>Click to edit Master text styles</a:t>
             </a:r>
           </a:p>
@@ -2507,7 +2504,7 @@
           <a:p>
             <a:fld id="{0D03630C-AC3D-41CA-B91C-6CE44C120357}" type="datetimeFigureOut">
               <a:rPr lang="en-US" smtClean="0"/>
-              <a:t>8/4/2020</a:t>
+              <a:t>11-Sep-22</a:t>
             </a:fld>
             <a:endParaRPr lang="en-US"/>
           </a:p>
@@ -2616,10 +2613,9 @@
           <a:lstStyle/>
           <a:p>
             <a:r>
-              <a:rPr lang="en-US" smtClean="0"/>
+              <a:rPr lang="en-US"/>
               <a:t>Click to edit Master title style</a:t>
             </a:r>
-            <a:endParaRPr lang="en-US"/>
           </a:p>
         </p:txBody>
       </p:sp>
@@ -2650,38 +2646,37 @@
           <a:p>
             <a:pPr lvl="0"/>
             <a:r>
-              <a:rPr lang="en-US" smtClean="0"/>
+              <a:rPr lang="en-US"/>
               <a:t>Click to edit Master text styles</a:t>
             </a:r>
           </a:p>
           <a:p>
             <a:pPr lvl="1"/>
             <a:r>
-              <a:rPr lang="en-US" smtClean="0"/>
+              <a:rPr lang="en-US"/>
               <a:t>Second level</a:t>
             </a:r>
           </a:p>
           <a:p>
             <a:pPr lvl="2"/>
             <a:r>
-              <a:rPr lang="en-US" smtClean="0"/>
+              <a:rPr lang="en-US"/>
               <a:t>Third level</a:t>
             </a:r>
           </a:p>
           <a:p>
             <a:pPr lvl="3"/>
             <a:r>
-              <a:rPr lang="en-US" smtClean="0"/>
+              <a:rPr lang="en-US"/>
               <a:t>Fourth level</a:t>
             </a:r>
           </a:p>
           <a:p>
             <a:pPr lvl="4"/>
             <a:r>
-              <a:rPr lang="en-US" smtClean="0"/>
+              <a:rPr lang="en-US"/>
               <a:t>Fifth level</a:t>
             </a:r>
-            <a:endParaRPr lang="en-US"/>
           </a:p>
         </p:txBody>
       </p:sp>
@@ -2720,7 +2715,7 @@
           <a:p>
             <a:fld id="{0D03630C-AC3D-41CA-B91C-6CE44C120357}" type="datetimeFigureOut">
               <a:rPr lang="en-US" smtClean="0"/>
-              <a:t>8/4/2020</a:t>
+              <a:t>11-Sep-22</a:t>
             </a:fld>
             <a:endParaRPr lang="en-US"/>
           </a:p>
@@ -3393,18 +3388,13 @@
           <a:p>
             <a:pPr algn="ctr"/>
             <a:r>
-              <a:rPr lang="en-US" sz="2000" b="1" dirty="0" smtClean="0">
+              <a:rPr lang="en-US" sz="2000" b="1" dirty="0">
                 <a:latin typeface="Tahoma" pitchFamily="34" charset="0"/>
                 <a:ea typeface="Tahoma" pitchFamily="34" charset="0"/>
                 <a:cs typeface="Tahoma" pitchFamily="34" charset="0"/>
               </a:rPr>
               <a:t>MESSAGES</a:t>
             </a:r>
-            <a:endParaRPr lang="en-US" sz="2000" b="1" dirty="0">
-              <a:latin typeface="Tahoma" pitchFamily="34" charset="0"/>
-              <a:ea typeface="Tahoma" pitchFamily="34" charset="0"/>
-              <a:cs typeface="Tahoma" pitchFamily="34" charset="0"/>
-            </a:endParaRPr>
           </a:p>
         </p:txBody>
       </p:sp>
@@ -3709,14 +3699,11 @@
           <a:p>
             <a:pPr algn="ctr"/>
             <a:r>
-              <a:rPr lang="en-US" sz="1400" b="1" dirty="0" smtClean="0">
+              <a:rPr lang="en-US" sz="1400" b="1" dirty="0">
                 <a:latin typeface="Tw Cen MT" pitchFamily="34" charset="0"/>
               </a:rPr>
               <a:t>Q</a:t>
             </a:r>
-            <a:endParaRPr lang="en-US" sz="1400" b="1" dirty="0">
-              <a:latin typeface="Tw Cen MT" pitchFamily="34" charset="0"/>
-            </a:endParaRPr>
           </a:p>
         </p:txBody>
       </p:sp>
@@ -3768,14 +3755,11 @@
           <a:p>
             <a:pPr algn="ctr"/>
             <a:r>
-              <a:rPr lang="en-US" sz="1400" b="1" dirty="0" smtClean="0">
+              <a:rPr lang="en-US" sz="1400" b="1" dirty="0">
                 <a:latin typeface="Tw Cen MT" pitchFamily="34" charset="0"/>
               </a:rPr>
               <a:t>W</a:t>
             </a:r>
-            <a:endParaRPr lang="en-US" sz="1400" b="1" dirty="0">
-              <a:latin typeface="Tw Cen MT" pitchFamily="34" charset="0"/>
-            </a:endParaRPr>
           </a:p>
         </p:txBody>
       </p:sp>
@@ -3827,14 +3811,11 @@
           <a:p>
             <a:pPr algn="ctr"/>
             <a:r>
-              <a:rPr lang="en-US" sz="1400" b="1" dirty="0" smtClean="0">
+              <a:rPr lang="en-US" sz="1400" b="1" dirty="0">
                 <a:latin typeface="Tw Cen MT" pitchFamily="34" charset="0"/>
               </a:rPr>
               <a:t>E</a:t>
             </a:r>
-            <a:endParaRPr lang="en-US" sz="1400" b="1" dirty="0">
-              <a:latin typeface="Tw Cen MT" pitchFamily="34" charset="0"/>
-            </a:endParaRPr>
           </a:p>
         </p:txBody>
       </p:sp>
@@ -4614,14 +4595,11 @@
           <a:p>
             <a:pPr algn="ctr"/>
             <a:r>
-              <a:rPr lang="en-US" sz="1400" b="1" dirty="0" smtClean="0">
+              <a:rPr lang="en-US" sz="1400" b="1" dirty="0">
                 <a:latin typeface="Tw Cen MT" pitchFamily="34" charset="0"/>
               </a:rPr>
               <a:t>J</a:t>
             </a:r>
-            <a:endParaRPr lang="en-US" sz="1400" b="1" dirty="0">
-              <a:latin typeface="Tw Cen MT" pitchFamily="34" charset="0"/>
-            </a:endParaRPr>
           </a:p>
         </p:txBody>
       </p:sp>
@@ -5283,14 +5261,11 @@
           <a:p>
             <a:pPr algn="ctr"/>
             <a:r>
-              <a:rPr lang="en-US" sz="1400" b="1" dirty="0" smtClean="0">
+              <a:rPr lang="en-US" sz="1400" b="1" dirty="0">
                 <a:latin typeface="Tw Cen MT" pitchFamily="34" charset="0"/>
               </a:rPr>
               <a:t>SPACE</a:t>
             </a:r>
-            <a:endParaRPr lang="en-US" sz="1400" b="1" dirty="0">
-              <a:latin typeface="Tw Cen MT" pitchFamily="34" charset="0"/>
-            </a:endParaRPr>
           </a:p>
         </p:txBody>
       </p:sp>
@@ -5498,14 +5473,11 @@
           <a:p>
             <a:pPr algn="ctr"/>
             <a:r>
-              <a:rPr lang="en-US" sz="1400" b="1" dirty="0" smtClean="0">
+              <a:rPr lang="en-US" sz="1400" b="1" dirty="0">
                 <a:latin typeface="Tw Cen MT" pitchFamily="34" charset="0"/>
               </a:rPr>
               <a:t>SEND</a:t>
             </a:r>
-            <a:endParaRPr lang="en-US" sz="1400" b="1" dirty="0">
-              <a:latin typeface="Tw Cen MT" pitchFamily="34" charset="0"/>
-            </a:endParaRPr>
           </a:p>
         </p:txBody>
       </p:sp>
@@ -5568,7 +5540,7 @@
             <a:p>
               <a:pPr algn="ctr"/>
               <a:r>
-                <a:rPr lang="en-US" sz="1400" b="1" dirty="0" smtClean="0">
+                <a:rPr lang="en-US" sz="1400" b="1" dirty="0">
                   <a:solidFill>
                     <a:schemeClr val="accent6">
                       <a:lumMod val="75000"/>
@@ -5578,14 +5550,6 @@
                 </a:rPr>
                 <a:t>HEY WHAT’S UP!!</a:t>
               </a:r>
-              <a:endParaRPr lang="en-US" sz="1400" b="1" dirty="0">
-                <a:solidFill>
-                  <a:schemeClr val="accent6">
-                    <a:lumMod val="75000"/>
-                  </a:schemeClr>
-                </a:solidFill>
-                <a:latin typeface="Tw Cen MT" pitchFamily="34" charset="0"/>
-              </a:endParaRPr>
             </a:p>
           </p:txBody>
         </p:sp>
@@ -5695,7 +5659,7 @@
             <a:p>
               <a:pPr algn="ctr"/>
               <a:r>
-                <a:rPr lang="en-US" sz="1400" b="1" dirty="0" smtClean="0">
+                <a:rPr lang="en-US" sz="1400" b="1" dirty="0">
                   <a:solidFill>
                     <a:schemeClr val="accent6">
                       <a:lumMod val="75000"/>
@@ -5705,14 +5669,6 @@
                 </a:rPr>
                 <a:t>YEAH GOOD</a:t>
               </a:r>
-              <a:endParaRPr lang="en-US" sz="1400" b="1" dirty="0">
-                <a:solidFill>
-                  <a:schemeClr val="accent6">
-                    <a:lumMod val="75000"/>
-                  </a:schemeClr>
-                </a:solidFill>
-                <a:latin typeface="Tw Cen MT" pitchFamily="34" charset="0"/>
-              </a:endParaRPr>
             </a:p>
           </p:txBody>
         </p:sp>
@@ -5823,7 +5779,7 @@
           <a:lstStyle/>
           <a:p>
             <a:r>
-              <a:rPr lang="en-US" sz="1400" b="1" dirty="0" smtClean="0">
+              <a:rPr lang="en-US" sz="1400" b="1" dirty="0">
                 <a:solidFill>
                   <a:schemeClr val="tx1">
                     <a:lumMod val="85000"/>
@@ -5834,15 +5790,6 @@
               </a:rPr>
               <a:t>E</a:t>
             </a:r>
-            <a:endParaRPr lang="en-US" sz="1400" b="1" dirty="0">
-              <a:solidFill>
-                <a:schemeClr val="tx1">
-                  <a:lumMod val="85000"/>
-                  <a:lumOff val="15000"/>
-                </a:schemeClr>
-              </a:solidFill>
-              <a:latin typeface="Tw Cen MT" pitchFamily="34" charset="0"/>
-            </a:endParaRPr>
           </a:p>
         </p:txBody>
       </p:sp>
@@ -5869,7 +5816,7 @@
           <a:lstStyle/>
           <a:p>
             <a:r>
-              <a:rPr lang="en-US" sz="1400" b="1" dirty="0" smtClean="0">
+              <a:rPr lang="en-US" sz="1400" b="1" dirty="0">
                 <a:solidFill>
                   <a:schemeClr val="tx1">
                     <a:lumMod val="85000"/>
@@ -5880,15 +5827,6 @@
               </a:rPr>
               <a:t>A</a:t>
             </a:r>
-            <a:endParaRPr lang="en-US" sz="1400" b="1" dirty="0">
-              <a:solidFill>
-                <a:schemeClr val="tx1">
-                  <a:lumMod val="85000"/>
-                  <a:lumOff val="15000"/>
-                </a:schemeClr>
-              </a:solidFill>
-              <a:latin typeface="Tw Cen MT" pitchFamily="34" charset="0"/>
-            </a:endParaRPr>
           </a:p>
         </p:txBody>
       </p:sp>
@@ -5915,7 +5853,7 @@
           <a:lstStyle/>
           <a:p>
             <a:r>
-              <a:rPr lang="en-US" sz="1400" b="1" dirty="0" smtClean="0">
+              <a:rPr lang="en-US" sz="1400" b="1" dirty="0">
                 <a:solidFill>
                   <a:schemeClr val="tx1">
                     <a:lumMod val="85000"/>
@@ -5926,15 +5864,6 @@
               </a:rPr>
               <a:t>H</a:t>
             </a:r>
-            <a:endParaRPr lang="en-US" sz="1400" b="1" dirty="0">
-              <a:solidFill>
-                <a:schemeClr val="tx1">
-                  <a:lumMod val="85000"/>
-                  <a:lumOff val="15000"/>
-                </a:schemeClr>
-              </a:solidFill>
-              <a:latin typeface="Tw Cen MT" pitchFamily="34" charset="0"/>
-            </a:endParaRPr>
           </a:p>
         </p:txBody>
       </p:sp>
@@ -5961,7 +5890,7 @@
           <a:lstStyle/>
           <a:p>
             <a:r>
-              <a:rPr lang="en-US" sz="1400" b="1" dirty="0" smtClean="0">
+              <a:rPr lang="en-US" sz="1400" b="1" dirty="0">
                 <a:solidFill>
                   <a:schemeClr val="tx1">
                     <a:lumMod val="85000"/>
@@ -5972,15 +5901,6 @@
               </a:rPr>
               <a:t> </a:t>
             </a:r>
-            <a:endParaRPr lang="en-US" sz="1400" b="1" dirty="0">
-              <a:solidFill>
-                <a:schemeClr val="tx1">
-                  <a:lumMod val="85000"/>
-                  <a:lumOff val="15000"/>
-                </a:schemeClr>
-              </a:solidFill>
-              <a:latin typeface="Tw Cen MT" pitchFamily="34" charset="0"/>
-            </a:endParaRPr>
           </a:p>
         </p:txBody>
       </p:sp>
@@ -6007,7 +5927,7 @@
           <a:lstStyle/>
           <a:p>
             <a:r>
-              <a:rPr lang="en-US" sz="1400" b="1" dirty="0" smtClean="0">
+              <a:rPr lang="en-US" sz="1400" b="1" dirty="0">
                 <a:solidFill>
                   <a:schemeClr val="tx1">
                     <a:lumMod val="85000"/>
@@ -6018,15 +5938,6 @@
               </a:rPr>
               <a:t>G</a:t>
             </a:r>
-            <a:endParaRPr lang="en-US" sz="1400" b="1" dirty="0">
-              <a:solidFill>
-                <a:schemeClr val="tx1">
-                  <a:lumMod val="85000"/>
-                  <a:lumOff val="15000"/>
-                </a:schemeClr>
-              </a:solidFill>
-              <a:latin typeface="Tw Cen MT" pitchFamily="34" charset="0"/>
-            </a:endParaRPr>
           </a:p>
         </p:txBody>
       </p:sp>
@@ -6053,7 +5964,7 @@
           <a:lstStyle/>
           <a:p>
             <a:r>
-              <a:rPr lang="en-US" sz="1400" b="1" dirty="0" smtClean="0">
+              <a:rPr lang="en-US" sz="1400" b="1" dirty="0">
                 <a:solidFill>
                   <a:schemeClr val="tx1">
                     <a:lumMod val="85000"/>
@@ -6064,15 +5975,6 @@
               </a:rPr>
               <a:t>O</a:t>
             </a:r>
-            <a:endParaRPr lang="en-US" sz="1400" b="1" dirty="0">
-              <a:solidFill>
-                <a:schemeClr val="tx1">
-                  <a:lumMod val="85000"/>
-                  <a:lumOff val="15000"/>
-                </a:schemeClr>
-              </a:solidFill>
-              <a:latin typeface="Tw Cen MT" pitchFamily="34" charset="0"/>
-            </a:endParaRPr>
           </a:p>
         </p:txBody>
       </p:sp>
@@ -6099,7 +6001,7 @@
           <a:lstStyle/>
           <a:p>
             <a:r>
-              <a:rPr lang="en-US" sz="1400" b="1" dirty="0" smtClean="0">
+              <a:rPr lang="en-US" sz="1400" b="1" dirty="0">
                 <a:solidFill>
                   <a:schemeClr val="tx1">
                     <a:lumMod val="85000"/>
@@ -6110,15 +6012,6 @@
               </a:rPr>
               <a:t>O</a:t>
             </a:r>
-            <a:endParaRPr lang="en-US" sz="1400" b="1" dirty="0">
-              <a:solidFill>
-                <a:schemeClr val="tx1">
-                  <a:lumMod val="85000"/>
-                  <a:lumOff val="15000"/>
-                </a:schemeClr>
-              </a:solidFill>
-              <a:latin typeface="Tw Cen MT" pitchFamily="34" charset="0"/>
-            </a:endParaRPr>
           </a:p>
         </p:txBody>
       </p:sp>
@@ -6145,7 +6038,7 @@
           <a:lstStyle/>
           <a:p>
             <a:r>
-              <a:rPr lang="en-US" sz="1400" b="1" dirty="0" smtClean="0">
+              <a:rPr lang="en-US" sz="1400" b="1" dirty="0">
                 <a:solidFill>
                   <a:schemeClr val="tx1">
                     <a:lumMod val="85000"/>
@@ -6156,19 +6049,13 @@
               </a:rPr>
               <a:t>D</a:t>
             </a:r>
-            <a:endParaRPr lang="en-US" sz="1400" b="1" dirty="0">
-              <a:solidFill>
-                <a:schemeClr val="tx1">
-                  <a:lumMod val="85000"/>
-                  <a:lumOff val="15000"/>
-                </a:schemeClr>
-              </a:solidFill>
-              <a:latin typeface="Tw Cen MT" pitchFamily="34" charset="0"/>
-            </a:endParaRPr>
           </a:p>
         </p:txBody>
       </p:sp>
     </p:spTree>
+    <p:custDataLst>
+      <p:tags r:id="rId1"/>
+    </p:custDataLst>
     <p:extLst>
       <p:ext uri="{BB962C8B-B14F-4D97-AF65-F5344CB8AC3E}">
         <p14:creationId xmlns:p14="http://schemas.microsoft.com/office/powerpoint/2010/main" val="3607687104"/>
@@ -6178,6 +6065,14 @@
   <p:clrMapOvr>
     <a:masterClrMapping/>
   </p:clrMapOvr>
+  <mc:AlternateContent xmlns:mc="http://schemas.openxmlformats.org/markup-compatibility/2006">
+    <mc:Choice xmlns:p14="http://schemas.microsoft.com/office/powerpoint/2010/main" Requires="p14">
+      <p:transition spd="slow" p14:dur="2000" advTm="8488"/>
+    </mc:Choice>
+    <mc:Fallback>
+      <p:transition spd="slow" advTm="8488"/>
+    </mc:Fallback>
+  </mc:AlternateContent>
   <p:timing>
     <p:tnLst>
       <p:par>
@@ -6241,7 +6136,7 @@
                                           </p:endCondLst>
                                         </p:cTn>
                                         <p:tgtEl>
-                                          <p:sndTgt r:embed="rId2" name="whoosh.wav"/>
+                                          <p:sndTgt r:embed="rId3" name="whoosh.wav"/>
                                         </p:tgtEl>
                                       </p:cMediaNode>
                                     </p:audio>
@@ -6384,7 +6279,7 @@
                                           </p:endCondLst>
                                         </p:cTn>
                                         <p:tgtEl>
-                                          <p:sndTgt r:embed="rId3" name="click.wav"/>
+                                          <p:sndTgt r:embed="rId4" name="click.wav"/>
                                         </p:tgtEl>
                                       </p:cMediaNode>
                                     </p:audio>
@@ -6554,7 +6449,7 @@
                                           </p:endCondLst>
                                         </p:cTn>
                                         <p:tgtEl>
-                                          <p:sndTgt r:embed="rId3" name="click.wav"/>
+                                          <p:sndTgt r:embed="rId4" name="click.wav"/>
                                         </p:tgtEl>
                                       </p:cMediaNode>
                                     </p:audio>
@@ -6724,7 +6619,7 @@
                                           </p:endCondLst>
                                         </p:cTn>
                                         <p:tgtEl>
-                                          <p:sndTgt r:embed="rId3" name="click.wav"/>
+                                          <p:sndTgt r:embed="rId4" name="click.wav"/>
                                         </p:tgtEl>
                                       </p:cMediaNode>
                                     </p:audio>
@@ -6894,7 +6789,7 @@
                                           </p:endCondLst>
                                         </p:cTn>
                                         <p:tgtEl>
-                                          <p:sndTgt r:embed="rId3" name="click.wav"/>
+                                          <p:sndTgt r:embed="rId4" name="click.wav"/>
                                         </p:tgtEl>
                                       </p:cMediaNode>
                                     </p:audio>
@@ -7064,7 +6959,7 @@
                                           </p:endCondLst>
                                         </p:cTn>
                                         <p:tgtEl>
-                                          <p:sndTgt r:embed="rId3" name="click.wav"/>
+                                          <p:sndTgt r:embed="rId4" name="click.wav"/>
                                         </p:tgtEl>
                                       </p:cMediaNode>
                                     </p:audio>
@@ -7234,7 +7129,7 @@
                                           </p:endCondLst>
                                         </p:cTn>
                                         <p:tgtEl>
-                                          <p:sndTgt r:embed="rId3" name="click.wav"/>
+                                          <p:sndTgt r:embed="rId4" name="click.wav"/>
                                         </p:tgtEl>
                                       </p:cMediaNode>
                                     </p:audio>
@@ -7404,7 +7299,7 @@
                                           </p:endCondLst>
                                         </p:cTn>
                                         <p:tgtEl>
-                                          <p:sndTgt r:embed="rId3" name="click.wav"/>
+                                          <p:sndTgt r:embed="rId4" name="click.wav"/>
                                         </p:tgtEl>
                                       </p:cMediaNode>
                                     </p:audio>
@@ -7514,7 +7409,7 @@
                                           </p:endCondLst>
                                         </p:cTn>
                                         <p:tgtEl>
-                                          <p:sndTgt r:embed="rId2" name="whoosh.wav"/>
+                                          <p:sndTgt r:embed="rId3" name="whoosh.wav"/>
                                         </p:tgtEl>
                                       </p:cMediaNode>
                                     </p:audio>
@@ -7744,7 +7639,7 @@
                                           </p:endCondLst>
                                         </p:cTn>
                                         <p:tgtEl>
-                                          <p:sndTgt r:embed="rId3" name="click.wav"/>
+                                          <p:sndTgt r:embed="rId4" name="click.wav"/>
                                         </p:tgtEl>
                                       </p:cMediaNode>
                                     </p:audio>
@@ -7854,7 +7749,7 @@
                                           </p:endCondLst>
                                         </p:cTn>
                                         <p:tgtEl>
-                                          <p:sndTgt r:embed="rId2" name="whoosh.wav"/>
+                                          <p:sndTgt r:embed="rId3" name="whoosh.wav"/>
                                         </p:tgtEl>
                                       </p:cMediaNode>
                                     </p:audio>
@@ -7937,7 +7832,7 @@
                                           </p:endCondLst>
                                         </p:cTn>
                                         <p:tgtEl>
-                                          <p:sndTgt r:embed="rId2" name="whoosh.wav"/>
+                                          <p:sndTgt r:embed="rId3" name="whoosh.wav"/>
                                         </p:tgtEl>
                                       </p:cMediaNode>
                                     </p:audio>
@@ -8303,6 +8198,12 @@
     </p:bldLst>
   </p:timing>
 </p:sld>
+</file>
+
+<file path=ppt/tags/tag1.xml><?xml version="1.0" encoding="utf-8"?>
+<p:tagLst xmlns:a="http://schemas.openxmlformats.org/drawingml/2006/main" xmlns:r="http://schemas.openxmlformats.org/officeDocument/2006/relationships" xmlns:p="http://schemas.openxmlformats.org/presentationml/2006/main">
+  <p:tag name="TIMING" val="|1.1"/>
+</p:tagLst>
 </file>
 
 <file path=ppt/theme/theme1.xml><?xml version="1.0" encoding="utf-8"?>
